--- a/1、正式课/2、第二周/3、第三天/完整原型图.pptx
+++ b/1、正式课/2、第二周/3、第三天/完整原型图.pptx
@@ -289,7 +289,7 @@
             <a:fld id="{530820CF-B880-4189-942D-D702A7CBA730}" type="datetimeFigureOut">
               <a:rPr lang="zh-CN" altLang="en-US" smtClean="0"/>
               <a:pPr/>
-              <a:t>2020/2/12</a:t>
+              <a:t>2020/3/7</a:t>
             </a:fld>
             <a:endParaRPr lang="zh-CN" altLang="en-US"/>
           </a:p>
@@ -456,7 +456,7 @@
             <a:fld id="{530820CF-B880-4189-942D-D702A7CBA730}" type="datetimeFigureOut">
               <a:rPr lang="zh-CN" altLang="en-US" smtClean="0"/>
               <a:pPr/>
-              <a:t>2020/2/12</a:t>
+              <a:t>2020/3/7</a:t>
             </a:fld>
             <a:endParaRPr lang="zh-CN" altLang="en-US"/>
           </a:p>
@@ -633,7 +633,7 @@
             <a:fld id="{530820CF-B880-4189-942D-D702A7CBA730}" type="datetimeFigureOut">
               <a:rPr lang="zh-CN" altLang="en-US" smtClean="0"/>
               <a:pPr/>
-              <a:t>2020/2/12</a:t>
+              <a:t>2020/3/7</a:t>
             </a:fld>
             <a:endParaRPr lang="zh-CN" altLang="en-US"/>
           </a:p>
@@ -800,7 +800,7 @@
             <a:fld id="{530820CF-B880-4189-942D-D702A7CBA730}" type="datetimeFigureOut">
               <a:rPr lang="zh-CN" altLang="en-US" smtClean="0"/>
               <a:pPr/>
-              <a:t>2020/2/12</a:t>
+              <a:t>2020/3/7</a:t>
             </a:fld>
             <a:endParaRPr lang="zh-CN" altLang="en-US"/>
           </a:p>
@@ -1043,7 +1043,7 @@
             <a:fld id="{530820CF-B880-4189-942D-D702A7CBA730}" type="datetimeFigureOut">
               <a:rPr lang="zh-CN" altLang="en-US" smtClean="0"/>
               <a:pPr/>
-              <a:t>2020/2/12</a:t>
+              <a:t>2020/3/7</a:t>
             </a:fld>
             <a:endParaRPr lang="zh-CN" altLang="en-US"/>
           </a:p>
@@ -1328,7 +1328,7 @@
             <a:fld id="{530820CF-B880-4189-942D-D702A7CBA730}" type="datetimeFigureOut">
               <a:rPr lang="zh-CN" altLang="en-US" smtClean="0"/>
               <a:pPr/>
-              <a:t>2020/2/12</a:t>
+              <a:t>2020/3/7</a:t>
             </a:fld>
             <a:endParaRPr lang="zh-CN" altLang="en-US"/>
           </a:p>
@@ -1747,7 +1747,7 @@
             <a:fld id="{530820CF-B880-4189-942D-D702A7CBA730}" type="datetimeFigureOut">
               <a:rPr lang="zh-CN" altLang="en-US" smtClean="0"/>
               <a:pPr/>
-              <a:t>2020/2/12</a:t>
+              <a:t>2020/3/7</a:t>
             </a:fld>
             <a:endParaRPr lang="zh-CN" altLang="en-US"/>
           </a:p>
@@ -1862,7 +1862,7 @@
             <a:fld id="{530820CF-B880-4189-942D-D702A7CBA730}" type="datetimeFigureOut">
               <a:rPr lang="zh-CN" altLang="en-US" smtClean="0"/>
               <a:pPr/>
-              <a:t>2020/2/12</a:t>
+              <a:t>2020/3/7</a:t>
             </a:fld>
             <a:endParaRPr lang="zh-CN" altLang="en-US"/>
           </a:p>
@@ -1954,7 +1954,7 @@
             <a:fld id="{530820CF-B880-4189-942D-D702A7CBA730}" type="datetimeFigureOut">
               <a:rPr lang="zh-CN" altLang="en-US" smtClean="0"/>
               <a:pPr/>
-              <a:t>2020/2/12</a:t>
+              <a:t>2020/3/7</a:t>
             </a:fld>
             <a:endParaRPr lang="zh-CN" altLang="en-US"/>
           </a:p>
@@ -2228,7 +2228,7 @@
             <a:fld id="{530820CF-B880-4189-942D-D702A7CBA730}" type="datetimeFigureOut">
               <a:rPr lang="zh-CN" altLang="en-US" smtClean="0"/>
               <a:pPr/>
-              <a:t>2020/2/12</a:t>
+              <a:t>2020/3/7</a:t>
             </a:fld>
             <a:endParaRPr lang="zh-CN" altLang="en-US"/>
           </a:p>
@@ -2478,7 +2478,7 @@
             <a:fld id="{530820CF-B880-4189-942D-D702A7CBA730}" type="datetimeFigureOut">
               <a:rPr lang="zh-CN" altLang="en-US" smtClean="0"/>
               <a:pPr/>
-              <a:t>2020/2/12</a:t>
+              <a:t>2020/3/7</a:t>
             </a:fld>
             <a:endParaRPr lang="zh-CN" altLang="en-US"/>
           </a:p>
@@ -2688,7 +2688,7 @@
             <a:fld id="{530820CF-B880-4189-942D-D702A7CBA730}" type="datetimeFigureOut">
               <a:rPr lang="zh-CN" altLang="en-US" smtClean="0"/>
               <a:pPr/>
-              <a:t>2020/2/12</a:t>
+              <a:t>2020/3/7</a:t>
             </a:fld>
             <a:endParaRPr lang="zh-CN" altLang="en-US"/>
           </a:p>
@@ -4100,7 +4100,7 @@
         </p:nvSpPr>
         <p:spPr>
           <a:xfrm>
-            <a:off x="11953478" y="3672483"/>
+            <a:off x="11953478" y="3744491"/>
             <a:ext cx="806631" cy="584775"/>
           </a:xfrm>
           <a:prstGeom prst="rect">
@@ -4189,11 +4189,7 @@
           <a:p>
             <a:r>
               <a:rPr lang="en-US" altLang="zh-CN" dirty="0" smtClean="0"/>
-              <a:t>f</a:t>
-            </a:r>
-            <a:r>
-              <a:rPr lang="en-US" altLang="zh-CN" dirty="0" smtClean="0"/>
-              <a:t>1</a:t>
+              <a:t>f1</a:t>
             </a:r>
             <a:r>
               <a:rPr lang="zh-CN" altLang="en-US" dirty="0" smtClean="0"/>
@@ -4377,11 +4373,7 @@
           <a:p>
             <a:r>
               <a:rPr lang="en-US" altLang="zh-CN" dirty="0" smtClean="0"/>
-              <a:t>f</a:t>
-            </a:r>
-            <a:r>
-              <a:rPr lang="en-US" altLang="zh-CN" dirty="0" smtClean="0"/>
-              <a:t>2</a:t>
+              <a:t>f2</a:t>
             </a:r>
             <a:r>
               <a:rPr lang="zh-CN" altLang="en-US" dirty="0" smtClean="0"/>
@@ -5015,11 +5007,7 @@
             </a:r>
             <a:r>
               <a:rPr lang="zh-CN" altLang="en-US" sz="2000" dirty="0" smtClean="0"/>
-              <a:t>所</a:t>
-            </a:r>
-            <a:r>
-              <a:rPr lang="zh-CN" altLang="en-US" sz="2000" dirty="0" smtClean="0"/>
-              <a:t>有函数的</a:t>
+              <a:t>所有函数的</a:t>
             </a:r>
             <a:r>
               <a:rPr lang="en-US" altLang="zh-CN" sz="2000" dirty="0" smtClean="0"/>
@@ -5146,7 +5134,7 @@
               <a:t>Function</a:t>
             </a:r>
             <a:r>
-              <a:rPr lang="zh-CN" altLang="en-US" sz="2000" smtClean="0"/>
+              <a:rPr lang="zh-CN" altLang="en-US" sz="2000" dirty="0" smtClean="0"/>
               <a:t>类的原型其实是一个匿名函数，但是你就当做对象用就行</a:t>
             </a:r>
             <a:endParaRPr lang="en-US" altLang="zh-CN" sz="2000" dirty="0" smtClean="0"/>
@@ -5533,7 +5521,7 @@
         </p:nvSpPr>
         <p:spPr>
           <a:xfrm>
-            <a:off x="10585326" y="7632923"/>
+            <a:off x="10081270" y="7056859"/>
             <a:ext cx="11797076" cy="2062103"/>
           </a:xfrm>
           <a:prstGeom prst="rect">
@@ -5549,11 +5537,7 @@
           <a:p>
             <a:r>
               <a:rPr lang="en-US" altLang="zh-CN" dirty="0" smtClean="0"/>
-              <a:t>f</a:t>
-            </a:r>
-            <a:r>
-              <a:rPr lang="en-US" altLang="zh-CN" dirty="0" smtClean="0"/>
-              <a:t>1.__proto__.constructor.__proto__.__proto__  === Object.prototype</a:t>
+              <a:t>f1.__proto__.constructor.__proto__.__proto__  === Object.prototype</a:t>
             </a:r>
           </a:p>
           <a:p>
